--- a/UI/Tien_Profile(Both).pptx
+++ b/UI/Tien_Profile(Both).pptx
@@ -242,7 +242,7 @@
           <a:p>
             <a:fld id="{7637F753-A923-48F7-B6EC-23D42C978265}" type="datetimeFigureOut">
               <a:rPr lang="en-US" smtClean="0"/>
-              <a:t>01/04/2020</a:t>
+              <a:t>05/04/2020</a:t>
             </a:fld>
             <a:endParaRPr lang="en-US"/>
           </a:p>
@@ -410,7 +410,7 @@
           <a:p>
             <a:fld id="{7637F753-A923-48F7-B6EC-23D42C978265}" type="datetimeFigureOut">
               <a:rPr lang="en-US" smtClean="0"/>
-              <a:t>01/04/2020</a:t>
+              <a:t>05/04/2020</a:t>
             </a:fld>
             <a:endParaRPr lang="en-US"/>
           </a:p>
@@ -588,7 +588,7 @@
           <a:p>
             <a:fld id="{7637F753-A923-48F7-B6EC-23D42C978265}" type="datetimeFigureOut">
               <a:rPr lang="en-US" smtClean="0"/>
-              <a:t>01/04/2020</a:t>
+              <a:t>05/04/2020</a:t>
             </a:fld>
             <a:endParaRPr lang="en-US"/>
           </a:p>
@@ -756,7 +756,7 @@
           <a:p>
             <a:fld id="{7637F753-A923-48F7-B6EC-23D42C978265}" type="datetimeFigureOut">
               <a:rPr lang="en-US" smtClean="0"/>
-              <a:t>01/04/2020</a:t>
+              <a:t>05/04/2020</a:t>
             </a:fld>
             <a:endParaRPr lang="en-US"/>
           </a:p>
@@ -1001,7 +1001,7 @@
           <a:p>
             <a:fld id="{7637F753-A923-48F7-B6EC-23D42C978265}" type="datetimeFigureOut">
               <a:rPr lang="en-US" smtClean="0"/>
-              <a:t>01/04/2020</a:t>
+              <a:t>05/04/2020</a:t>
             </a:fld>
             <a:endParaRPr lang="en-US"/>
           </a:p>
@@ -1230,7 +1230,7 @@
           <a:p>
             <a:fld id="{7637F753-A923-48F7-B6EC-23D42C978265}" type="datetimeFigureOut">
               <a:rPr lang="en-US" smtClean="0"/>
-              <a:t>01/04/2020</a:t>
+              <a:t>05/04/2020</a:t>
             </a:fld>
             <a:endParaRPr lang="en-US"/>
           </a:p>
@@ -1594,7 +1594,7 @@
           <a:p>
             <a:fld id="{7637F753-A923-48F7-B6EC-23D42C978265}" type="datetimeFigureOut">
               <a:rPr lang="en-US" smtClean="0"/>
-              <a:t>01/04/2020</a:t>
+              <a:t>05/04/2020</a:t>
             </a:fld>
             <a:endParaRPr lang="en-US"/>
           </a:p>
@@ -1711,7 +1711,7 @@
           <a:p>
             <a:fld id="{7637F753-A923-48F7-B6EC-23D42C978265}" type="datetimeFigureOut">
               <a:rPr lang="en-US" smtClean="0"/>
-              <a:t>01/04/2020</a:t>
+              <a:t>05/04/2020</a:t>
             </a:fld>
             <a:endParaRPr lang="en-US"/>
           </a:p>
@@ -1806,7 +1806,7 @@
           <a:p>
             <a:fld id="{7637F753-A923-48F7-B6EC-23D42C978265}" type="datetimeFigureOut">
               <a:rPr lang="en-US" smtClean="0"/>
-              <a:t>01/04/2020</a:t>
+              <a:t>05/04/2020</a:t>
             </a:fld>
             <a:endParaRPr lang="en-US"/>
           </a:p>
@@ -2081,7 +2081,7 @@
           <a:p>
             <a:fld id="{7637F753-A923-48F7-B6EC-23D42C978265}" type="datetimeFigureOut">
               <a:rPr lang="en-US" smtClean="0"/>
-              <a:t>01/04/2020</a:t>
+              <a:t>05/04/2020</a:t>
             </a:fld>
             <a:endParaRPr lang="en-US"/>
           </a:p>
@@ -2333,7 +2333,7 @@
           <a:p>
             <a:fld id="{7637F753-A923-48F7-B6EC-23D42C978265}" type="datetimeFigureOut">
               <a:rPr lang="en-US" smtClean="0"/>
-              <a:t>01/04/2020</a:t>
+              <a:t>05/04/2020</a:t>
             </a:fld>
             <a:endParaRPr lang="en-US"/>
           </a:p>
@@ -2544,7 +2544,7 @@
           <a:p>
             <a:fld id="{7637F753-A923-48F7-B6EC-23D42C978265}" type="datetimeFigureOut">
               <a:rPr lang="en-US" smtClean="0"/>
-              <a:t>01/04/2020</a:t>
+              <a:t>05/04/2020</a:t>
             </a:fld>
             <a:endParaRPr lang="en-US"/>
           </a:p>
@@ -2957,7 +2957,7 @@
         </p:nvGrpSpPr>
         <p:grpSpPr>
           <a:xfrm>
-            <a:off x="705393" y="276126"/>
+            <a:off x="705393" y="197749"/>
             <a:ext cx="3273753" cy="6049108"/>
             <a:chOff x="1959428" y="436098"/>
             <a:chExt cx="3273753" cy="6049108"/>
@@ -3061,7 +3061,7 @@
           <p:spPr>
             <a:xfrm>
               <a:off x="2444386" y="3573191"/>
-              <a:ext cx="2242345" cy="369332"/>
+              <a:ext cx="2126929" cy="369332"/>
             </a:xfrm>
             <a:prstGeom prst="rect">
               <a:avLst/>
@@ -3075,21 +3075,14 @@
             <a:lstStyle/>
             <a:p>
               <a:r>
-                <a:rPr lang="en-US" dirty="0" err="1"/>
-                <a:t>Ngày</a:t>
+                <a:rPr lang="en-US" dirty="0"/>
+                <a:t>Ngày sinh</a:t>
               </a:r>
               <a:r>
-                <a:rPr lang="en-US" dirty="0"/>
-                <a:t> </a:t>
+                <a:rPr lang="en-US" dirty="0" smtClean="0"/>
+                <a:t>_________</a:t>
               </a:r>
-              <a:r>
-                <a:rPr lang="en-US" dirty="0" err="1"/>
-                <a:t>sinh</a:t>
-              </a:r>
-              <a:r>
-                <a:rPr lang="en-US" dirty="0"/>
-                <a:t>__________</a:t>
-              </a:r>
+              <a:endParaRPr lang="en-US" dirty="0"/>
             </a:p>
           </p:txBody>
         </p:sp>
@@ -3116,50 +3109,14 @@
             <a:lstStyle/>
             <a:p>
               <a:r>
-                <a:rPr lang="en-US" dirty="0" err="1"/>
-                <a:t>Quê</a:t>
+                <a:rPr lang="en-US" dirty="0"/>
+                <a:t>Quê quán</a:t>
               </a:r>
               <a:r>
-                <a:rPr lang="en-US" dirty="0"/>
-                <a:t> </a:t>
+                <a:rPr lang="en-US" dirty="0" smtClean="0"/>
+                <a:t>_________</a:t>
               </a:r>
-              <a:r>
-                <a:rPr lang="en-US" dirty="0" err="1"/>
-                <a:t>quán</a:t>
-              </a:r>
-              <a:r>
-                <a:rPr lang="en-US" dirty="0"/>
-                <a:t>__________</a:t>
-              </a:r>
-            </a:p>
-          </p:txBody>
-        </p:sp>
-        <p:sp>
-          <p:nvSpPr>
-            <p:cNvPr id="6" name="TextBox 5"/>
-            <p:cNvSpPr txBox="1"/>
-            <p:nvPr/>
-          </p:nvSpPr>
-          <p:spPr>
-            <a:xfrm>
-              <a:off x="3125034" y="5941704"/>
-              <a:ext cx="1081205" cy="369332"/>
-            </a:xfrm>
-            <a:prstGeom prst="rect">
-              <a:avLst/>
-            </a:prstGeom>
-            <a:noFill/>
-          </p:spPr>
-          <p:txBody>
-            <a:bodyPr wrap="square" rtlCol="0">
-              <a:spAutoFit/>
-            </a:bodyPr>
-            <a:lstStyle/>
-            <a:p>
-              <a:r>
-                <a:rPr lang="en-US" dirty="0"/>
-                <a:t>Update</a:t>
-              </a:r>
+              <a:endParaRPr lang="en-US" dirty="0"/>
             </a:p>
           </p:txBody>
         </p:sp>
@@ -3483,8 +3440,8 @@
         </p:nvSpPr>
         <p:spPr>
           <a:xfrm>
-            <a:off x="2478157" y="2042901"/>
-            <a:ext cx="1311965" cy="390324"/>
+            <a:off x="2478157" y="1873045"/>
+            <a:ext cx="1311965" cy="281953"/>
           </a:xfrm>
           <a:prstGeom prst="rect">
             <a:avLst/>
@@ -3567,8 +3524,13 @@
           <a:p>
             <a:r>
               <a:rPr lang="en-US" dirty="0"/>
-              <a:t> SDT______________ </a:t>
-            </a:r>
+              <a:t> SDT</a:t>
+            </a:r>
+            <a:r>
+              <a:rPr lang="en-US" dirty="0" smtClean="0"/>
+              <a:t>______________ </a:t>
+            </a:r>
+            <a:endParaRPr lang="en-US" dirty="0"/>
           </a:p>
         </p:txBody>
       </p:sp>
@@ -3586,8 +3548,8 @@
         </p:nvSpPr>
         <p:spPr>
           <a:xfrm>
-            <a:off x="1187787" y="4996070"/>
-            <a:ext cx="2085500" cy="57856"/>
+            <a:off x="1187787" y="4937105"/>
+            <a:ext cx="2218022" cy="351139"/>
           </a:xfrm>
           <a:prstGeom prst="rect">
             <a:avLst/>
@@ -3616,24 +3578,13 @@
           <a:p>
             <a:r>
               <a:rPr lang="en-US" dirty="0"/>
-              <a:t> </a:t>
-            </a:r>
-            <a:r>
-              <a:rPr lang="en-US" dirty="0" err="1"/>
-              <a:t>Địa</a:t>
-            </a:r>
-            <a:r>
-              <a:rPr lang="en-US" dirty="0"/>
-              <a:t> </a:t>
-            </a:r>
-            <a:r>
-              <a:rPr lang="en-US" dirty="0" err="1"/>
-              <a:t>Chỉ</a:t>
-            </a:r>
-            <a:r>
-              <a:rPr lang="en-US" dirty="0"/>
-              <a:t>_________</a:t>
-            </a:r>
+              <a:t> Địa Chỉ</a:t>
+            </a:r>
+            <a:r>
+              <a:rPr lang="en-US" dirty="0" smtClean="0"/>
+              <a:t>___________</a:t>
+            </a:r>
+            <a:endParaRPr lang="en-US" dirty="0"/>
           </a:p>
         </p:txBody>
       </p:sp>
@@ -3674,6 +3625,48 @@
           <a:p>
             <a:pPr algn="ctr"/>
             <a:endParaRPr lang="en-US"/>
+          </a:p>
+        </p:txBody>
+      </p:sp>
+      <p:sp>
+        <p:nvSpPr>
+          <p:cNvPr id="7" name="Rectangle 6"/>
+          <p:cNvSpPr/>
+          <p:nvPr/>
+        </p:nvSpPr>
+        <p:spPr>
+          <a:xfrm>
+            <a:off x="1802674" y="5695406"/>
+            <a:ext cx="1345475" cy="470263"/>
+          </a:xfrm>
+          <a:prstGeom prst="rect">
+            <a:avLst/>
+          </a:prstGeom>
+        </p:spPr>
+        <p:style>
+          <a:lnRef idx="2">
+            <a:schemeClr val="dk1"/>
+          </a:lnRef>
+          <a:fillRef idx="1">
+            <a:schemeClr val="lt1"/>
+          </a:fillRef>
+          <a:effectRef idx="0">
+            <a:schemeClr val="dk1"/>
+          </a:effectRef>
+          <a:fontRef idx="minor">
+            <a:schemeClr val="dk1"/>
+          </a:fontRef>
+        </p:style>
+        <p:txBody>
+          <a:bodyPr rtlCol="0" anchor="ctr"/>
+          <a:lstStyle/>
+          <a:p>
+            <a:pPr algn="ctr"/>
+            <a:r>
+              <a:rPr lang="en-US"/>
+              <a:t>Update</a:t>
+            </a:r>
+            <a:endParaRPr lang="en-US" dirty="0"/>
           </a:p>
         </p:txBody>
       </p:sp>
@@ -3721,7 +3714,7 @@
         </p:nvGrpSpPr>
         <p:grpSpPr>
           <a:xfrm>
-            <a:off x="600286" y="90938"/>
+            <a:off x="600286" y="-26629"/>
             <a:ext cx="3273753" cy="6049108"/>
             <a:chOff x="1854321" y="733303"/>
             <a:chExt cx="3273753" cy="6049108"/>
@@ -3784,8 +3777,8 @@
           </p:nvSpPr>
           <p:spPr>
             <a:xfrm>
-              <a:off x="4206239" y="1672240"/>
-              <a:ext cx="851169" cy="663670"/>
+              <a:off x="4206239" y="1784334"/>
+              <a:ext cx="851169" cy="786138"/>
             </a:xfrm>
             <a:prstGeom prst="ellipse">
               <a:avLst/>
@@ -3848,21 +3841,14 @@
             <a:lstStyle/>
             <a:p>
               <a:r>
-                <a:rPr lang="en-US" dirty="0" err="1"/>
-                <a:t>Quê</a:t>
+                <a:rPr lang="en-US" dirty="0" smtClean="0"/>
+                <a:t>Ngày Sinh</a:t>
               </a:r>
               <a:r>
-                <a:rPr lang="en-US" dirty="0"/>
-                <a:t> </a:t>
-              </a:r>
-              <a:r>
-                <a:rPr lang="en-US" dirty="0" err="1"/>
-                <a:t>quán</a:t>
-              </a:r>
-              <a:r>
-                <a:rPr lang="en-US" dirty="0"/>
+                <a:rPr lang="en-US" dirty="0" smtClean="0"/>
                 <a:t>_________</a:t>
               </a:r>
+              <a:endParaRPr lang="en-US" dirty="0"/>
             </a:p>
           </p:txBody>
         </p:sp>
@@ -3881,7 +3867,7 @@
           <p:spPr>
             <a:xfrm>
               <a:off x="2442956" y="4089583"/>
-              <a:ext cx="2242345" cy="369332"/>
+              <a:ext cx="2261985" cy="369332"/>
             </a:xfrm>
             <a:prstGeom prst="rect">
               <a:avLst/>
@@ -3895,49 +3881,10 @@
             <a:lstStyle/>
             <a:p>
               <a:r>
-                <a:rPr lang="en-US" dirty="0"/>
-                <a:t>SDT</a:t>
-              </a:r>
-              <a:r>
                 <a:rPr lang="en-US" dirty="0" smtClean="0"/>
-                <a:t>______________</a:t>
+                <a:t>Quê Quán_________</a:t>
               </a:r>
               <a:endParaRPr lang="en-US" dirty="0"/>
-            </a:p>
-          </p:txBody>
-        </p:sp>
-        <p:sp>
-          <p:nvSpPr>
-            <p:cNvPr id="10" name="TextBox 5">
-              <a:extLst>
-                <a:ext uri="{FF2B5EF4-FFF2-40B4-BE49-F238E27FC236}">
-                  <a16:creationId xmlns:a16="http://schemas.microsoft.com/office/drawing/2014/main" id="{86F37D85-1227-476D-9D45-01290373C215}"/>
-                </a:ext>
-              </a:extLst>
-            </p:cNvPr>
-            <p:cNvSpPr txBox="1"/>
-            <p:nvPr/>
-          </p:nvSpPr>
-          <p:spPr>
-            <a:xfrm>
-              <a:off x="3125034" y="5941704"/>
-              <a:ext cx="1081205" cy="369332"/>
-            </a:xfrm>
-            <a:prstGeom prst="rect">
-              <a:avLst/>
-            </a:prstGeom>
-            <a:noFill/>
-          </p:spPr>
-          <p:txBody>
-            <a:bodyPr wrap="square" rtlCol="0">
-              <a:spAutoFit/>
-            </a:bodyPr>
-            <a:lstStyle/>
-            <a:p>
-              <a:r>
-                <a:rPr lang="en-US" dirty="0"/>
-                <a:t>Update</a:t>
-              </a:r>
             </a:p>
           </p:txBody>
         </p:sp>
@@ -3970,20 +3917,16 @@
             <a:lstStyle/>
             <a:p>
               <a:r>
-                <a:rPr lang="en-US" dirty="0" err="1"/>
-                <a:t>Ngày</a:t>
+                <a:rPr lang="en-US" dirty="0" smtClean="0"/>
+                <a:t>Họ Và Tên </a:t>
+              </a:r>
+              <a:r>
+                <a:rPr lang="en-US" dirty="0" smtClean="0"/>
+                <a:t> </a:t>
               </a:r>
               <a:r>
                 <a:rPr lang="en-US" dirty="0"/>
-                <a:t> </a:t>
-              </a:r>
-              <a:r>
-                <a:rPr lang="en-US" dirty="0" err="1"/>
-                <a:t>Sinh</a:t>
-              </a:r>
-              <a:r>
-                <a:rPr lang="en-US" dirty="0"/>
-                <a:t> _________</a:t>
+                <a:t>_________</a:t>
               </a:r>
             </a:p>
           </p:txBody>
@@ -4045,10 +3988,10 @@
       </p:sp>
       <p:sp>
         <p:nvSpPr>
-          <p:cNvPr id="20" name="Hình chữ nhật 19">
+          <p:cNvPr id="21" name="Hình chữ nhật 20">
             <a:extLst>
               <a:ext uri="{FF2B5EF4-FFF2-40B4-BE49-F238E27FC236}">
-                <a16:creationId xmlns:a16="http://schemas.microsoft.com/office/drawing/2014/main" id="{420A39AC-00F0-423A-8063-5EC0DA8F0231}"/>
+                <a16:creationId xmlns:a16="http://schemas.microsoft.com/office/drawing/2014/main" id="{5ABE0A23-C7DC-4B55-A192-569400EB7F7A}"/>
               </a:ext>
             </a:extLst>
           </p:cNvPr>
@@ -4057,8 +4000,8 @@
         </p:nvSpPr>
         <p:spPr>
           <a:xfrm>
-            <a:off x="2756264" y="1997360"/>
-            <a:ext cx="1117776" cy="325060"/>
+            <a:off x="1187787" y="3977853"/>
+            <a:ext cx="2098752" cy="345954"/>
           </a:xfrm>
           <a:prstGeom prst="rect">
             <a:avLst/>
@@ -4087,7 +4030,11 @@
           <a:p>
             <a:r>
               <a:rPr lang="en-US" dirty="0" smtClean="0"/>
-              <a:t>Họ Và Tên</a:t>
+              <a:t>SDT</a:t>
+            </a:r>
+            <a:r>
+              <a:rPr lang="en-US" dirty="0" smtClean="0"/>
+              <a:t>_____________</a:t>
             </a:r>
             <a:endParaRPr lang="en-US" dirty="0"/>
           </a:p>
@@ -4095,10 +4042,10 @@
       </p:sp>
       <p:sp>
         <p:nvSpPr>
-          <p:cNvPr id="21" name="Hình chữ nhật 20">
+          <p:cNvPr id="23" name="Hình chữ nhật 22">
             <a:extLst>
               <a:ext uri="{FF2B5EF4-FFF2-40B4-BE49-F238E27FC236}">
-                <a16:creationId xmlns:a16="http://schemas.microsoft.com/office/drawing/2014/main" id="{5ABE0A23-C7DC-4B55-A192-569400EB7F7A}"/>
+                <a16:creationId xmlns:a16="http://schemas.microsoft.com/office/drawing/2014/main" id="{E8A9B622-323C-448A-882D-212481BEE94B}"/>
               </a:ext>
             </a:extLst>
           </p:cNvPr>
@@ -4107,8 +4054,8 @@
         </p:nvSpPr>
         <p:spPr>
           <a:xfrm>
-            <a:off x="1187787" y="4095419"/>
-            <a:ext cx="2098752" cy="345952"/>
+            <a:off x="1187787" y="4494246"/>
+            <a:ext cx="2098752" cy="521892"/>
           </a:xfrm>
           <a:prstGeom prst="rect">
             <a:avLst/>
@@ -4136,73 +4083,8 @@
           <a:lstStyle/>
           <a:p>
             <a:r>
-              <a:rPr lang="en-US" dirty="0" err="1"/>
-              <a:t>Địa</a:t>
-            </a:r>
-            <a:r>
-              <a:rPr lang="en-US" dirty="0"/>
-              <a:t> </a:t>
-            </a:r>
-            <a:r>
-              <a:rPr lang="en-US" dirty="0" err="1"/>
-              <a:t>Chỉ</a:t>
-            </a:r>
-            <a:r>
-              <a:rPr lang="en-US" dirty="0"/>
-              <a:t>___________</a:t>
-            </a:r>
-          </a:p>
-        </p:txBody>
-      </p:sp>
-      <p:sp>
-        <p:nvSpPr>
-          <p:cNvPr id="23" name="Hình chữ nhật 22">
-            <a:extLst>
-              <a:ext uri="{FF2B5EF4-FFF2-40B4-BE49-F238E27FC236}">
-                <a16:creationId xmlns:a16="http://schemas.microsoft.com/office/drawing/2014/main" id="{E8A9B622-323C-448A-882D-212481BEE94B}"/>
-              </a:ext>
-            </a:extLst>
-          </p:cNvPr>
-          <p:cNvSpPr/>
-          <p:nvPr/>
-        </p:nvSpPr>
-        <p:spPr>
-          <a:xfrm>
-            <a:off x="1187787" y="4641862"/>
-            <a:ext cx="2098752" cy="374275"/>
-          </a:xfrm>
-          <a:prstGeom prst="rect">
-            <a:avLst/>
-          </a:prstGeom>
-          <a:ln>
-            <a:noFill/>
-          </a:ln>
-        </p:spPr>
-        <p:style>
-          <a:lnRef idx="2">
-            <a:schemeClr val="accent6"/>
-          </a:lnRef>
-          <a:fillRef idx="1">
-            <a:schemeClr val="lt1"/>
-          </a:fillRef>
-          <a:effectRef idx="0">
-            <a:schemeClr val="accent6"/>
-          </a:effectRef>
-          <a:fontRef idx="minor">
-            <a:schemeClr val="dk1"/>
-          </a:fontRef>
-        </p:style>
-        <p:txBody>
-          <a:bodyPr rtlCol="0" anchor="ctr"/>
-          <a:lstStyle/>
-          <a:p>
-            <a:r>
-              <a:rPr lang="en-US" dirty="0"/>
-              <a:t>Gmail</a:t>
-            </a:r>
-            <a:r>
               <a:rPr lang="en-US" dirty="0" smtClean="0"/>
-              <a:t>____________</a:t>
+              <a:t>Địa Chỉ___________</a:t>
             </a:r>
             <a:endParaRPr lang="en-US" dirty="0"/>
           </a:p>
@@ -4275,6 +4157,48 @@
           <a:p>
             <a:pPr algn="ctr"/>
             <a:endParaRPr lang="en-US"/>
+          </a:p>
+        </p:txBody>
+      </p:sp>
+      <p:sp>
+        <p:nvSpPr>
+          <p:cNvPr id="2" name="Rectangle 1"/>
+          <p:cNvSpPr/>
+          <p:nvPr/>
+        </p:nvSpPr>
+        <p:spPr>
+          <a:xfrm>
+            <a:off x="1672046" y="5342709"/>
+            <a:ext cx="1280158" cy="496388"/>
+          </a:xfrm>
+          <a:prstGeom prst="rect">
+            <a:avLst/>
+          </a:prstGeom>
+        </p:spPr>
+        <p:style>
+          <a:lnRef idx="2">
+            <a:schemeClr val="dk1"/>
+          </a:lnRef>
+          <a:fillRef idx="1">
+            <a:schemeClr val="lt1"/>
+          </a:fillRef>
+          <a:effectRef idx="0">
+            <a:schemeClr val="dk1"/>
+          </a:effectRef>
+          <a:fontRef idx="minor">
+            <a:schemeClr val="dk1"/>
+          </a:fontRef>
+        </p:style>
+        <p:txBody>
+          <a:bodyPr rtlCol="0" anchor="ctr"/>
+          <a:lstStyle/>
+          <a:p>
+            <a:pPr algn="ctr"/>
+            <a:r>
+              <a:rPr lang="en-US" dirty="0" smtClean="0"/>
+              <a:t>Update</a:t>
+            </a:r>
+            <a:endParaRPr lang="en-US" dirty="0"/>
           </a:p>
         </p:txBody>
       </p:sp>
